--- a/QtOsa1/SimulaattoriKevat2025.pptx
+++ b/QtOsa1/SimulaattoriKevat2025.pptx
@@ -202,7 +202,7 @@
           <a:p>
             <a:fld id="{2CCDDDFB-5C5E-4776-BF73-ABE86C2F552D}" type="datetimeFigureOut">
               <a:rPr lang="fi-FI" smtClean="0"/>
-              <a:t>9.3.2025</a:t>
+              <a:t>12.3.2025</a:t>
             </a:fld>
             <a:endParaRPr lang="fi-FI"/>
           </a:p>
@@ -1285,7 +1285,7 @@
           <a:p>
             <a:fld id="{5C78FD4E-E00E-4971-9377-A280ADA812DC}" type="datetimeFigureOut">
               <a:rPr lang="fi-FI" smtClean="0"/>
-              <a:t>9.3.2025</a:t>
+              <a:t>12.3.2025</a:t>
             </a:fld>
             <a:endParaRPr lang="fi-FI"/>
           </a:p>
@@ -1485,7 +1485,7 @@
           <a:p>
             <a:fld id="{5C78FD4E-E00E-4971-9377-A280ADA812DC}" type="datetimeFigureOut">
               <a:rPr lang="fi-FI" smtClean="0"/>
-              <a:t>9.3.2025</a:t>
+              <a:t>12.3.2025</a:t>
             </a:fld>
             <a:endParaRPr lang="fi-FI"/>
           </a:p>
@@ -1695,7 +1695,7 @@
           <a:p>
             <a:fld id="{5C78FD4E-E00E-4971-9377-A280ADA812DC}" type="datetimeFigureOut">
               <a:rPr lang="fi-FI" smtClean="0"/>
-              <a:t>9.3.2025</a:t>
+              <a:t>12.3.2025</a:t>
             </a:fld>
             <a:endParaRPr lang="fi-FI"/>
           </a:p>
@@ -1895,7 +1895,7 @@
           <a:p>
             <a:fld id="{5C78FD4E-E00E-4971-9377-A280ADA812DC}" type="datetimeFigureOut">
               <a:rPr lang="fi-FI" smtClean="0"/>
-              <a:t>9.3.2025</a:t>
+              <a:t>12.3.2025</a:t>
             </a:fld>
             <a:endParaRPr lang="fi-FI"/>
           </a:p>
@@ -2171,7 +2171,7 @@
           <a:p>
             <a:fld id="{5C78FD4E-E00E-4971-9377-A280ADA812DC}" type="datetimeFigureOut">
               <a:rPr lang="fi-FI" smtClean="0"/>
-              <a:t>9.3.2025</a:t>
+              <a:t>12.3.2025</a:t>
             </a:fld>
             <a:endParaRPr lang="fi-FI"/>
           </a:p>
@@ -2439,7 +2439,7 @@
           <a:p>
             <a:fld id="{5C78FD4E-E00E-4971-9377-A280ADA812DC}" type="datetimeFigureOut">
               <a:rPr lang="fi-FI" smtClean="0"/>
-              <a:t>9.3.2025</a:t>
+              <a:t>12.3.2025</a:t>
             </a:fld>
             <a:endParaRPr lang="fi-FI"/>
           </a:p>
@@ -2854,7 +2854,7 @@
           <a:p>
             <a:fld id="{5C78FD4E-E00E-4971-9377-A280ADA812DC}" type="datetimeFigureOut">
               <a:rPr lang="fi-FI" smtClean="0"/>
-              <a:t>9.3.2025</a:t>
+              <a:t>12.3.2025</a:t>
             </a:fld>
             <a:endParaRPr lang="fi-FI"/>
           </a:p>
@@ -2996,7 +2996,7 @@
           <a:p>
             <a:fld id="{5C78FD4E-E00E-4971-9377-A280ADA812DC}" type="datetimeFigureOut">
               <a:rPr lang="fi-FI" smtClean="0"/>
-              <a:t>9.3.2025</a:t>
+              <a:t>12.3.2025</a:t>
             </a:fld>
             <a:endParaRPr lang="fi-FI"/>
           </a:p>
@@ -3109,7 +3109,7 @@
           <a:p>
             <a:fld id="{5C78FD4E-E00E-4971-9377-A280ADA812DC}" type="datetimeFigureOut">
               <a:rPr lang="fi-FI" smtClean="0"/>
-              <a:t>9.3.2025</a:t>
+              <a:t>12.3.2025</a:t>
             </a:fld>
             <a:endParaRPr lang="fi-FI"/>
           </a:p>
@@ -3422,7 +3422,7 @@
           <a:p>
             <a:fld id="{5C78FD4E-E00E-4971-9377-A280ADA812DC}" type="datetimeFigureOut">
               <a:rPr lang="fi-FI" smtClean="0"/>
-              <a:t>9.3.2025</a:t>
+              <a:t>12.3.2025</a:t>
             </a:fld>
             <a:endParaRPr lang="fi-FI"/>
           </a:p>
@@ -3711,7 +3711,7 @@
           <a:p>
             <a:fld id="{5C78FD4E-E00E-4971-9377-A280ADA812DC}" type="datetimeFigureOut">
               <a:rPr lang="fi-FI" smtClean="0"/>
-              <a:t>9.3.2025</a:t>
+              <a:t>12.3.2025</a:t>
             </a:fld>
             <a:endParaRPr lang="fi-FI"/>
           </a:p>
@@ -3954,7 +3954,7 @@
           <a:p>
             <a:fld id="{5C78FD4E-E00E-4971-9377-A280ADA812DC}" type="datetimeFigureOut">
               <a:rPr lang="fi-FI" smtClean="0"/>
-              <a:t>9.3.2025</a:t>
+              <a:t>12.3.2025</a:t>
             </a:fld>
             <a:endParaRPr lang="fi-FI"/>
           </a:p>
@@ -4625,10 +4625,10 @@
       </p:sp>
       <p:pic>
         <p:nvPicPr>
-          <p:cNvPr id="7" name="Picture 6">
-            <a:extLst>
-              <a:ext uri="{FF2B5EF4-FFF2-40B4-BE49-F238E27FC236}">
-                <a16:creationId xmlns:a16="http://schemas.microsoft.com/office/drawing/2014/main" id="{7AD73A50-53BE-0B5D-763A-126F993E4E19}"/>
+          <p:cNvPr id="9" name="Picture 8">
+            <a:extLst>
+              <a:ext uri="{FF2B5EF4-FFF2-40B4-BE49-F238E27FC236}">
+                <a16:creationId xmlns:a16="http://schemas.microsoft.com/office/drawing/2014/main" id="{C6B17AA6-0921-9028-55EB-6A61EB43E43F}"/>
               </a:ext>
             </a:extLst>
           </p:cNvPr>
@@ -4645,8 +4645,8 @@
         </p:blipFill>
         <p:spPr>
           <a:xfrm>
-            <a:off x="294468" y="1727088"/>
-            <a:ext cx="5216325" cy="2748047"/>
+            <a:off x="5721387" y="1438425"/>
+            <a:ext cx="6022463" cy="3357134"/>
           </a:xfrm>
           <a:prstGeom prst="rect">
             <a:avLst/>
@@ -4655,10 +4655,10 @@
       </p:pic>
       <p:pic>
         <p:nvPicPr>
-          <p:cNvPr id="9" name="Picture 8">
-            <a:extLst>
-              <a:ext uri="{FF2B5EF4-FFF2-40B4-BE49-F238E27FC236}">
-                <a16:creationId xmlns:a16="http://schemas.microsoft.com/office/drawing/2014/main" id="{C6B17AA6-0921-9028-55EB-6A61EB43E43F}"/>
+          <p:cNvPr id="10" name="Picture 9">
+            <a:extLst>
+              <a:ext uri="{FF2B5EF4-FFF2-40B4-BE49-F238E27FC236}">
+                <a16:creationId xmlns:a16="http://schemas.microsoft.com/office/drawing/2014/main" id="{34AD962A-061A-005F-2723-2A712FAD56D9}"/>
               </a:ext>
             </a:extLst>
           </p:cNvPr>
@@ -4675,8 +4675,8 @@
         </p:blipFill>
         <p:spPr>
           <a:xfrm>
-            <a:off x="5721387" y="1451938"/>
-            <a:ext cx="6022463" cy="3357134"/>
+            <a:off x="760356" y="4649491"/>
+            <a:ext cx="4750437" cy="2012090"/>
           </a:xfrm>
           <a:prstGeom prst="rect">
             <a:avLst/>
@@ -4685,10 +4685,10 @@
       </p:pic>
       <p:pic>
         <p:nvPicPr>
-          <p:cNvPr id="10" name="Picture 9">
-            <a:extLst>
-              <a:ext uri="{FF2B5EF4-FFF2-40B4-BE49-F238E27FC236}">
-                <a16:creationId xmlns:a16="http://schemas.microsoft.com/office/drawing/2014/main" id="{34AD962A-061A-005F-2723-2A712FAD56D9}"/>
+          <p:cNvPr id="5" name="Picture 4">
+            <a:extLst>
+              <a:ext uri="{FF2B5EF4-FFF2-40B4-BE49-F238E27FC236}">
+                <a16:creationId xmlns:a16="http://schemas.microsoft.com/office/drawing/2014/main" id="{8A986E6A-E660-A2BF-A241-51FED9E056D7}"/>
               </a:ext>
             </a:extLst>
           </p:cNvPr>
@@ -4705,8 +4705,8 @@
         </p:blipFill>
         <p:spPr>
           <a:xfrm>
-            <a:off x="760356" y="4649491"/>
-            <a:ext cx="4750437" cy="2012090"/>
+            <a:off x="347503" y="1800093"/>
+            <a:ext cx="5071392" cy="2564704"/>
           </a:xfrm>
           <a:prstGeom prst="rect">
             <a:avLst/>
@@ -5044,10 +5044,10 @@
       </p:sp>
       <p:pic>
         <p:nvPicPr>
-          <p:cNvPr id="5" name="Picture 4">
-            <a:extLst>
-              <a:ext uri="{FF2B5EF4-FFF2-40B4-BE49-F238E27FC236}">
-                <a16:creationId xmlns:a16="http://schemas.microsoft.com/office/drawing/2014/main" id="{927054D6-1DE7-70CE-4F4D-1E65BD568252}"/>
+          <p:cNvPr id="6" name="Picture 5">
+            <a:extLst>
+              <a:ext uri="{FF2B5EF4-FFF2-40B4-BE49-F238E27FC236}">
+                <a16:creationId xmlns:a16="http://schemas.microsoft.com/office/drawing/2014/main" id="{35E155E8-B409-D338-D332-2683343D1F65}"/>
               </a:ext>
             </a:extLst>
           </p:cNvPr>
@@ -5064,8 +5064,8 @@
         </p:blipFill>
         <p:spPr>
           <a:xfrm>
-            <a:off x="377125" y="371959"/>
-            <a:ext cx="5876401" cy="3095786"/>
+            <a:off x="153810" y="202807"/>
+            <a:ext cx="6288112" cy="3180023"/>
           </a:xfrm>
           <a:prstGeom prst="rect">
             <a:avLst/>
